--- a/ppt 16-9/1220.新年赞美.pptx
+++ b/ppt 16-9/1220.新年赞美.pptx
@@ -5,7 +5,7 @@
     <p:sldMasterId id="2147483648" r:id="rId1"/>
   </p:sldMasterIdLst>
   <p:sldIdLst>
-    <p:sldId id="752" r:id="rId2"/>
+    <p:sldId id="754" r:id="rId2"/>
   </p:sldIdLst>
   <p:sldSz cx="12192000" cy="6858000"/>
   <p:notesSz cx="6858000" cy="9144000"/>
@@ -129,7 +129,7 @@
           <p:cNvPr id="2" name="标题 1">
             <a:extLst>
               <a:ext uri="{FF2B5EF4-FFF2-40B4-BE49-F238E27FC236}">
-                <a16:creationId xmlns:a16="http://schemas.microsoft.com/office/drawing/2014/main" id="{0424BEE3-C18E-30BB-236E-D6A1654A2D18}"/>
+                <a16:creationId xmlns:a16="http://schemas.microsoft.com/office/drawing/2014/main" id="{C6D90C15-D56D-181A-391B-0E64AD9A2896}"/>
               </a:ext>
             </a:extLst>
           </p:cNvPr>
@@ -166,7 +166,7 @@
           <p:cNvPr id="3" name="副标题 2">
             <a:extLst>
               <a:ext uri="{FF2B5EF4-FFF2-40B4-BE49-F238E27FC236}">
-                <a16:creationId xmlns:a16="http://schemas.microsoft.com/office/drawing/2014/main" id="{E7310D14-43F9-2D17-B87B-408279503EA6}"/>
+                <a16:creationId xmlns:a16="http://schemas.microsoft.com/office/drawing/2014/main" id="{8DCA9652-9CCD-1E45-855A-5FFF25F37368}"/>
               </a:ext>
             </a:extLst>
           </p:cNvPr>
@@ -236,7 +236,7 @@
           <p:cNvPr id="4" name="日期占位符 3">
             <a:extLst>
               <a:ext uri="{FF2B5EF4-FFF2-40B4-BE49-F238E27FC236}">
-                <a16:creationId xmlns:a16="http://schemas.microsoft.com/office/drawing/2014/main" id="{38BB4EDD-DBFE-1EFF-B21F-251FFA3E1B76}"/>
+                <a16:creationId xmlns:a16="http://schemas.microsoft.com/office/drawing/2014/main" id="{206AD0ED-58BB-CE19-52F1-08F7C202ABD9}"/>
               </a:ext>
             </a:extLst>
           </p:cNvPr>
@@ -252,7 +252,7 @@
           <a:bodyPr/>
           <a:lstStyle/>
           <a:p>
-            <a:fld id="{51AC0DA4-0049-4B8B-8C52-CB19BB156899}" type="datetimeFigureOut">
+            <a:fld id="{656ABA9F-9A5B-4730-8B83-E51C1D06FB65}" type="datetimeFigureOut">
               <a:rPr lang="zh-CN" altLang="en-US" smtClean="0"/>
               <a:t>2024/3/10</a:t>
             </a:fld>
@@ -265,7 +265,7 @@
           <p:cNvPr id="5" name="页脚占位符 4">
             <a:extLst>
               <a:ext uri="{FF2B5EF4-FFF2-40B4-BE49-F238E27FC236}">
-                <a16:creationId xmlns:a16="http://schemas.microsoft.com/office/drawing/2014/main" id="{F5EED30F-8E55-B3A4-B61A-8FF02472F779}"/>
+                <a16:creationId xmlns:a16="http://schemas.microsoft.com/office/drawing/2014/main" id="{1AEB9224-4832-0D63-4F6E-2CDE3DCCB39C}"/>
               </a:ext>
             </a:extLst>
           </p:cNvPr>
@@ -290,7 +290,7 @@
           <p:cNvPr id="6" name="灯片编号占位符 5">
             <a:extLst>
               <a:ext uri="{FF2B5EF4-FFF2-40B4-BE49-F238E27FC236}">
-                <a16:creationId xmlns:a16="http://schemas.microsoft.com/office/drawing/2014/main" id="{C5B51756-4D01-D6F7-3B56-44CF40E26A85}"/>
+                <a16:creationId xmlns:a16="http://schemas.microsoft.com/office/drawing/2014/main" id="{45EC27E9-641C-BB6A-36D7-D72BCCDCD33B}"/>
               </a:ext>
             </a:extLst>
           </p:cNvPr>
@@ -306,7 +306,7 @@
           <a:bodyPr/>
           <a:lstStyle/>
           <a:p>
-            <a:fld id="{308E8127-1A92-4C45-BD84-CE6C96BC8261}" type="slidenum">
+            <a:fld id="{3B6FFAE1-8A11-4E18-A405-08E6750EE096}" type="slidenum">
               <a:rPr lang="zh-CN" altLang="en-US" smtClean="0"/>
               <a:t>‹#›</a:t>
             </a:fld>
@@ -317,7 +317,7 @@
     </p:spTree>
     <p:extLst>
       <p:ext uri="{BB962C8B-B14F-4D97-AF65-F5344CB8AC3E}">
-        <p14:creationId xmlns:p14="http://schemas.microsoft.com/office/powerpoint/2010/main" val="3544481304"/>
+        <p14:creationId xmlns:p14="http://schemas.microsoft.com/office/powerpoint/2010/main" val="126406530"/>
       </p:ext>
     </p:extLst>
   </p:cSld>
@@ -349,7 +349,7 @@
           <p:cNvPr id="2" name="标题 1">
             <a:extLst>
               <a:ext uri="{FF2B5EF4-FFF2-40B4-BE49-F238E27FC236}">
-                <a16:creationId xmlns:a16="http://schemas.microsoft.com/office/drawing/2014/main" id="{970F2C5C-ADE5-47DB-C686-EAB57D0C96D2}"/>
+                <a16:creationId xmlns:a16="http://schemas.microsoft.com/office/drawing/2014/main" id="{27BACA20-A9CC-1B27-B40A-4AF2D8BA9A2F}"/>
               </a:ext>
             </a:extLst>
           </p:cNvPr>
@@ -377,7 +377,7 @@
           <p:cNvPr id="3" name="竖排文字占位符 2">
             <a:extLst>
               <a:ext uri="{FF2B5EF4-FFF2-40B4-BE49-F238E27FC236}">
-                <a16:creationId xmlns:a16="http://schemas.microsoft.com/office/drawing/2014/main" id="{4BF1D45A-BFFE-F80B-5418-85C971CF038E}"/>
+                <a16:creationId xmlns:a16="http://schemas.microsoft.com/office/drawing/2014/main" id="{E74D9F9D-6E45-E14A-84BA-19DFCAAE39A7}"/>
               </a:ext>
             </a:extLst>
           </p:cNvPr>
@@ -434,7 +434,7 @@
           <p:cNvPr id="4" name="日期占位符 3">
             <a:extLst>
               <a:ext uri="{FF2B5EF4-FFF2-40B4-BE49-F238E27FC236}">
-                <a16:creationId xmlns:a16="http://schemas.microsoft.com/office/drawing/2014/main" id="{CC99B3E9-2274-086D-1BA6-22177F53BB9C}"/>
+                <a16:creationId xmlns:a16="http://schemas.microsoft.com/office/drawing/2014/main" id="{E289B738-FFAA-8E85-DD93-6ED7DEFE0DEC}"/>
               </a:ext>
             </a:extLst>
           </p:cNvPr>
@@ -450,7 +450,7 @@
           <a:bodyPr/>
           <a:lstStyle/>
           <a:p>
-            <a:fld id="{51AC0DA4-0049-4B8B-8C52-CB19BB156899}" type="datetimeFigureOut">
+            <a:fld id="{656ABA9F-9A5B-4730-8B83-E51C1D06FB65}" type="datetimeFigureOut">
               <a:rPr lang="zh-CN" altLang="en-US" smtClean="0"/>
               <a:t>2024/3/10</a:t>
             </a:fld>
@@ -463,7 +463,7 @@
           <p:cNvPr id="5" name="页脚占位符 4">
             <a:extLst>
               <a:ext uri="{FF2B5EF4-FFF2-40B4-BE49-F238E27FC236}">
-                <a16:creationId xmlns:a16="http://schemas.microsoft.com/office/drawing/2014/main" id="{FEAD6630-E7CC-E33A-165F-7CBB506FEFAE}"/>
+                <a16:creationId xmlns:a16="http://schemas.microsoft.com/office/drawing/2014/main" id="{367BEDB9-67D1-C702-E600-13B4BEAF9F74}"/>
               </a:ext>
             </a:extLst>
           </p:cNvPr>
@@ -488,7 +488,7 @@
           <p:cNvPr id="6" name="灯片编号占位符 5">
             <a:extLst>
               <a:ext uri="{FF2B5EF4-FFF2-40B4-BE49-F238E27FC236}">
-                <a16:creationId xmlns:a16="http://schemas.microsoft.com/office/drawing/2014/main" id="{8E817826-9745-054B-CBEA-EDD60F7E0544}"/>
+                <a16:creationId xmlns:a16="http://schemas.microsoft.com/office/drawing/2014/main" id="{97D40D69-7466-138F-6AC9-823BB55AF4A7}"/>
               </a:ext>
             </a:extLst>
           </p:cNvPr>
@@ -504,7 +504,7 @@
           <a:bodyPr/>
           <a:lstStyle/>
           <a:p>
-            <a:fld id="{308E8127-1A92-4C45-BD84-CE6C96BC8261}" type="slidenum">
+            <a:fld id="{3B6FFAE1-8A11-4E18-A405-08E6750EE096}" type="slidenum">
               <a:rPr lang="zh-CN" altLang="en-US" smtClean="0"/>
               <a:t>‹#›</a:t>
             </a:fld>
@@ -515,7 +515,7 @@
     </p:spTree>
     <p:extLst>
       <p:ext uri="{BB962C8B-B14F-4D97-AF65-F5344CB8AC3E}">
-        <p14:creationId xmlns:p14="http://schemas.microsoft.com/office/powerpoint/2010/main" val="2619159007"/>
+        <p14:creationId xmlns:p14="http://schemas.microsoft.com/office/powerpoint/2010/main" val="2242574455"/>
       </p:ext>
     </p:extLst>
   </p:cSld>
@@ -547,7 +547,7 @@
           <p:cNvPr id="2" name="竖排标题 1">
             <a:extLst>
               <a:ext uri="{FF2B5EF4-FFF2-40B4-BE49-F238E27FC236}">
-                <a16:creationId xmlns:a16="http://schemas.microsoft.com/office/drawing/2014/main" id="{3E00AAA6-C28C-33CD-6310-0FEE4E05FD35}"/>
+                <a16:creationId xmlns:a16="http://schemas.microsoft.com/office/drawing/2014/main" id="{FD203C92-0ABD-8124-C9D3-0882CAF2A5BE}"/>
               </a:ext>
             </a:extLst>
           </p:cNvPr>
@@ -580,7 +580,7 @@
           <p:cNvPr id="3" name="竖排文字占位符 2">
             <a:extLst>
               <a:ext uri="{FF2B5EF4-FFF2-40B4-BE49-F238E27FC236}">
-                <a16:creationId xmlns:a16="http://schemas.microsoft.com/office/drawing/2014/main" id="{1F3D0B15-4FC8-977D-71CE-97634B0C986A}"/>
+                <a16:creationId xmlns:a16="http://schemas.microsoft.com/office/drawing/2014/main" id="{97D1E436-906D-832F-1360-A8ECB99160CF}"/>
               </a:ext>
             </a:extLst>
           </p:cNvPr>
@@ -642,7 +642,7 @@
           <p:cNvPr id="4" name="日期占位符 3">
             <a:extLst>
               <a:ext uri="{FF2B5EF4-FFF2-40B4-BE49-F238E27FC236}">
-                <a16:creationId xmlns:a16="http://schemas.microsoft.com/office/drawing/2014/main" id="{A0A0B2B6-AC8F-E521-1CE4-A57878837891}"/>
+                <a16:creationId xmlns:a16="http://schemas.microsoft.com/office/drawing/2014/main" id="{3536C36D-6786-DC67-183D-B17931AF538E}"/>
               </a:ext>
             </a:extLst>
           </p:cNvPr>
@@ -658,7 +658,7 @@
           <a:bodyPr/>
           <a:lstStyle/>
           <a:p>
-            <a:fld id="{51AC0DA4-0049-4B8B-8C52-CB19BB156899}" type="datetimeFigureOut">
+            <a:fld id="{656ABA9F-9A5B-4730-8B83-E51C1D06FB65}" type="datetimeFigureOut">
               <a:rPr lang="zh-CN" altLang="en-US" smtClean="0"/>
               <a:t>2024/3/10</a:t>
             </a:fld>
@@ -671,7 +671,7 @@
           <p:cNvPr id="5" name="页脚占位符 4">
             <a:extLst>
               <a:ext uri="{FF2B5EF4-FFF2-40B4-BE49-F238E27FC236}">
-                <a16:creationId xmlns:a16="http://schemas.microsoft.com/office/drawing/2014/main" id="{10D02A27-B8E9-CB61-3CB1-6D8AA3011408}"/>
+                <a16:creationId xmlns:a16="http://schemas.microsoft.com/office/drawing/2014/main" id="{F7FDCB20-8E84-5FCF-7A78-5BB8275A300E}"/>
               </a:ext>
             </a:extLst>
           </p:cNvPr>
@@ -696,7 +696,7 @@
           <p:cNvPr id="6" name="灯片编号占位符 5">
             <a:extLst>
               <a:ext uri="{FF2B5EF4-FFF2-40B4-BE49-F238E27FC236}">
-                <a16:creationId xmlns:a16="http://schemas.microsoft.com/office/drawing/2014/main" id="{73AFD52E-BC68-D67A-6D37-7DA9D1CC5AC8}"/>
+                <a16:creationId xmlns:a16="http://schemas.microsoft.com/office/drawing/2014/main" id="{FE69886B-2716-5869-C901-51FD6B25CB0E}"/>
               </a:ext>
             </a:extLst>
           </p:cNvPr>
@@ -712,7 +712,7 @@
           <a:bodyPr/>
           <a:lstStyle/>
           <a:p>
-            <a:fld id="{308E8127-1A92-4C45-BD84-CE6C96BC8261}" type="slidenum">
+            <a:fld id="{3B6FFAE1-8A11-4E18-A405-08E6750EE096}" type="slidenum">
               <a:rPr lang="zh-CN" altLang="en-US" smtClean="0"/>
               <a:t>‹#›</a:t>
             </a:fld>
@@ -723,7 +723,7 @@
     </p:spTree>
     <p:extLst>
       <p:ext uri="{BB962C8B-B14F-4D97-AF65-F5344CB8AC3E}">
-        <p14:creationId xmlns:p14="http://schemas.microsoft.com/office/powerpoint/2010/main" val="3252544066"/>
+        <p14:creationId xmlns:p14="http://schemas.microsoft.com/office/powerpoint/2010/main" val="1910960138"/>
       </p:ext>
     </p:extLst>
   </p:cSld>
@@ -755,7 +755,7 @@
           <p:cNvPr id="2" name="标题 1">
             <a:extLst>
               <a:ext uri="{FF2B5EF4-FFF2-40B4-BE49-F238E27FC236}">
-                <a16:creationId xmlns:a16="http://schemas.microsoft.com/office/drawing/2014/main" id="{39D3236D-449B-FCD2-B620-33D43908D4E1}"/>
+                <a16:creationId xmlns:a16="http://schemas.microsoft.com/office/drawing/2014/main" id="{54EC9D8E-DC1E-3192-341A-2C448DF82916}"/>
               </a:ext>
             </a:extLst>
           </p:cNvPr>
@@ -783,7 +783,7 @@
           <p:cNvPr id="3" name="内容占位符 2">
             <a:extLst>
               <a:ext uri="{FF2B5EF4-FFF2-40B4-BE49-F238E27FC236}">
-                <a16:creationId xmlns:a16="http://schemas.microsoft.com/office/drawing/2014/main" id="{F453EF4D-8B15-66B5-DD2B-B68AC5770306}"/>
+                <a16:creationId xmlns:a16="http://schemas.microsoft.com/office/drawing/2014/main" id="{C7ADEDB3-4672-1EBB-2831-ED38F988EFB3}"/>
               </a:ext>
             </a:extLst>
           </p:cNvPr>
@@ -840,7 +840,7 @@
           <p:cNvPr id="4" name="日期占位符 3">
             <a:extLst>
               <a:ext uri="{FF2B5EF4-FFF2-40B4-BE49-F238E27FC236}">
-                <a16:creationId xmlns:a16="http://schemas.microsoft.com/office/drawing/2014/main" id="{4B414730-217F-7700-0B4E-5ECC79D440E9}"/>
+                <a16:creationId xmlns:a16="http://schemas.microsoft.com/office/drawing/2014/main" id="{685F693D-D05F-9B27-C41E-B48A8675896D}"/>
               </a:ext>
             </a:extLst>
           </p:cNvPr>
@@ -856,7 +856,7 @@
           <a:bodyPr/>
           <a:lstStyle/>
           <a:p>
-            <a:fld id="{51AC0DA4-0049-4B8B-8C52-CB19BB156899}" type="datetimeFigureOut">
+            <a:fld id="{656ABA9F-9A5B-4730-8B83-E51C1D06FB65}" type="datetimeFigureOut">
               <a:rPr lang="zh-CN" altLang="en-US" smtClean="0"/>
               <a:t>2024/3/10</a:t>
             </a:fld>
@@ -869,7 +869,7 @@
           <p:cNvPr id="5" name="页脚占位符 4">
             <a:extLst>
               <a:ext uri="{FF2B5EF4-FFF2-40B4-BE49-F238E27FC236}">
-                <a16:creationId xmlns:a16="http://schemas.microsoft.com/office/drawing/2014/main" id="{26102381-A05F-7B43-1C3D-F8E02A5B7D4D}"/>
+                <a16:creationId xmlns:a16="http://schemas.microsoft.com/office/drawing/2014/main" id="{5E8244DF-FDE6-FF23-1377-537C9BAB9934}"/>
               </a:ext>
             </a:extLst>
           </p:cNvPr>
@@ -894,7 +894,7 @@
           <p:cNvPr id="6" name="灯片编号占位符 5">
             <a:extLst>
               <a:ext uri="{FF2B5EF4-FFF2-40B4-BE49-F238E27FC236}">
-                <a16:creationId xmlns:a16="http://schemas.microsoft.com/office/drawing/2014/main" id="{91507AC4-0B9F-29FD-A1FD-A1CB38874F97}"/>
+                <a16:creationId xmlns:a16="http://schemas.microsoft.com/office/drawing/2014/main" id="{C89B6F02-DDAF-A41F-FFFB-BC4EC5E07A7C}"/>
               </a:ext>
             </a:extLst>
           </p:cNvPr>
@@ -910,7 +910,7 @@
           <a:bodyPr/>
           <a:lstStyle/>
           <a:p>
-            <a:fld id="{308E8127-1A92-4C45-BD84-CE6C96BC8261}" type="slidenum">
+            <a:fld id="{3B6FFAE1-8A11-4E18-A405-08E6750EE096}" type="slidenum">
               <a:rPr lang="zh-CN" altLang="en-US" smtClean="0"/>
               <a:t>‹#›</a:t>
             </a:fld>
@@ -921,7 +921,7 @@
     </p:spTree>
     <p:extLst>
       <p:ext uri="{BB962C8B-B14F-4D97-AF65-F5344CB8AC3E}">
-        <p14:creationId xmlns:p14="http://schemas.microsoft.com/office/powerpoint/2010/main" val="1986878850"/>
+        <p14:creationId xmlns:p14="http://schemas.microsoft.com/office/powerpoint/2010/main" val="193381864"/>
       </p:ext>
     </p:extLst>
   </p:cSld>
@@ -953,7 +953,7 @@
           <p:cNvPr id="2" name="标题 1">
             <a:extLst>
               <a:ext uri="{FF2B5EF4-FFF2-40B4-BE49-F238E27FC236}">
-                <a16:creationId xmlns:a16="http://schemas.microsoft.com/office/drawing/2014/main" id="{3BD7A917-FFCD-4C80-62C5-4BC4BEC553CA}"/>
+                <a16:creationId xmlns:a16="http://schemas.microsoft.com/office/drawing/2014/main" id="{3A972B8C-9F20-07BA-ECAB-803CADED9E4E}"/>
               </a:ext>
             </a:extLst>
           </p:cNvPr>
@@ -990,7 +990,7 @@
           <p:cNvPr id="3" name="文本占位符 2">
             <a:extLst>
               <a:ext uri="{FF2B5EF4-FFF2-40B4-BE49-F238E27FC236}">
-                <a16:creationId xmlns:a16="http://schemas.microsoft.com/office/drawing/2014/main" id="{71BA421D-32D5-2167-DDE8-65E0FDDABABB}"/>
+                <a16:creationId xmlns:a16="http://schemas.microsoft.com/office/drawing/2014/main" id="{7B1C9785-4BE8-85EC-336D-7030E0065E14}"/>
               </a:ext>
             </a:extLst>
           </p:cNvPr>
@@ -1115,7 +1115,7 @@
           <p:cNvPr id="4" name="日期占位符 3">
             <a:extLst>
               <a:ext uri="{FF2B5EF4-FFF2-40B4-BE49-F238E27FC236}">
-                <a16:creationId xmlns:a16="http://schemas.microsoft.com/office/drawing/2014/main" id="{54FE55DB-F826-762B-DEFC-C9F3429B5B00}"/>
+                <a16:creationId xmlns:a16="http://schemas.microsoft.com/office/drawing/2014/main" id="{382733AB-C508-32D2-9B46-3CA805CD07F8}"/>
               </a:ext>
             </a:extLst>
           </p:cNvPr>
@@ -1131,7 +1131,7 @@
           <a:bodyPr/>
           <a:lstStyle/>
           <a:p>
-            <a:fld id="{51AC0DA4-0049-4B8B-8C52-CB19BB156899}" type="datetimeFigureOut">
+            <a:fld id="{656ABA9F-9A5B-4730-8B83-E51C1D06FB65}" type="datetimeFigureOut">
               <a:rPr lang="zh-CN" altLang="en-US" smtClean="0"/>
               <a:t>2024/3/10</a:t>
             </a:fld>
@@ -1144,7 +1144,7 @@
           <p:cNvPr id="5" name="页脚占位符 4">
             <a:extLst>
               <a:ext uri="{FF2B5EF4-FFF2-40B4-BE49-F238E27FC236}">
-                <a16:creationId xmlns:a16="http://schemas.microsoft.com/office/drawing/2014/main" id="{44F365BD-9A9D-1DCE-CDD0-AF4040506DF9}"/>
+                <a16:creationId xmlns:a16="http://schemas.microsoft.com/office/drawing/2014/main" id="{078934CB-FAEA-C803-6F2B-4F48353EEE40}"/>
               </a:ext>
             </a:extLst>
           </p:cNvPr>
@@ -1169,7 +1169,7 @@
           <p:cNvPr id="6" name="灯片编号占位符 5">
             <a:extLst>
               <a:ext uri="{FF2B5EF4-FFF2-40B4-BE49-F238E27FC236}">
-                <a16:creationId xmlns:a16="http://schemas.microsoft.com/office/drawing/2014/main" id="{EB2250FA-05E4-139C-AA83-780575F229C9}"/>
+                <a16:creationId xmlns:a16="http://schemas.microsoft.com/office/drawing/2014/main" id="{F4A4607D-B5EA-EF79-145C-EAC78D46FCAC}"/>
               </a:ext>
             </a:extLst>
           </p:cNvPr>
@@ -1185,7 +1185,7 @@
           <a:bodyPr/>
           <a:lstStyle/>
           <a:p>
-            <a:fld id="{308E8127-1A92-4C45-BD84-CE6C96BC8261}" type="slidenum">
+            <a:fld id="{3B6FFAE1-8A11-4E18-A405-08E6750EE096}" type="slidenum">
               <a:rPr lang="zh-CN" altLang="en-US" smtClean="0"/>
               <a:t>‹#›</a:t>
             </a:fld>
@@ -1196,7 +1196,7 @@
     </p:spTree>
     <p:extLst>
       <p:ext uri="{BB962C8B-B14F-4D97-AF65-F5344CB8AC3E}">
-        <p14:creationId xmlns:p14="http://schemas.microsoft.com/office/powerpoint/2010/main" val="42463837"/>
+        <p14:creationId xmlns:p14="http://schemas.microsoft.com/office/powerpoint/2010/main" val="1994721960"/>
       </p:ext>
     </p:extLst>
   </p:cSld>
@@ -1228,7 +1228,7 @@
           <p:cNvPr id="2" name="标题 1">
             <a:extLst>
               <a:ext uri="{FF2B5EF4-FFF2-40B4-BE49-F238E27FC236}">
-                <a16:creationId xmlns:a16="http://schemas.microsoft.com/office/drawing/2014/main" id="{38879A8A-8A3C-8D84-52AF-7F4055778D6C}"/>
+                <a16:creationId xmlns:a16="http://schemas.microsoft.com/office/drawing/2014/main" id="{1E7818AD-E748-885E-4F36-13C388BAB300}"/>
               </a:ext>
             </a:extLst>
           </p:cNvPr>
@@ -1256,7 +1256,7 @@
           <p:cNvPr id="3" name="内容占位符 2">
             <a:extLst>
               <a:ext uri="{FF2B5EF4-FFF2-40B4-BE49-F238E27FC236}">
-                <a16:creationId xmlns:a16="http://schemas.microsoft.com/office/drawing/2014/main" id="{73826BF5-AA1E-C001-D37D-6394D94104B8}"/>
+                <a16:creationId xmlns:a16="http://schemas.microsoft.com/office/drawing/2014/main" id="{1B7AA21B-BA33-0E85-60C8-B6D5255DC726}"/>
               </a:ext>
             </a:extLst>
           </p:cNvPr>
@@ -1318,7 +1318,7 @@
           <p:cNvPr id="4" name="内容占位符 3">
             <a:extLst>
               <a:ext uri="{FF2B5EF4-FFF2-40B4-BE49-F238E27FC236}">
-                <a16:creationId xmlns:a16="http://schemas.microsoft.com/office/drawing/2014/main" id="{B5FB84B8-4563-C6AF-CC21-E0158F825775}"/>
+                <a16:creationId xmlns:a16="http://schemas.microsoft.com/office/drawing/2014/main" id="{58E6CEED-5C8F-E73F-9C47-44E74284657F}"/>
               </a:ext>
             </a:extLst>
           </p:cNvPr>
@@ -1380,7 +1380,7 @@
           <p:cNvPr id="5" name="日期占位符 4">
             <a:extLst>
               <a:ext uri="{FF2B5EF4-FFF2-40B4-BE49-F238E27FC236}">
-                <a16:creationId xmlns:a16="http://schemas.microsoft.com/office/drawing/2014/main" id="{EBB44389-0155-3B34-65BF-4F75B4B11F02}"/>
+                <a16:creationId xmlns:a16="http://schemas.microsoft.com/office/drawing/2014/main" id="{8A083013-D46E-9AA3-471A-BDE61762C97A}"/>
               </a:ext>
             </a:extLst>
           </p:cNvPr>
@@ -1396,7 +1396,7 @@
           <a:bodyPr/>
           <a:lstStyle/>
           <a:p>
-            <a:fld id="{51AC0DA4-0049-4B8B-8C52-CB19BB156899}" type="datetimeFigureOut">
+            <a:fld id="{656ABA9F-9A5B-4730-8B83-E51C1D06FB65}" type="datetimeFigureOut">
               <a:rPr lang="zh-CN" altLang="en-US" smtClean="0"/>
               <a:t>2024/3/10</a:t>
             </a:fld>
@@ -1409,7 +1409,7 @@
           <p:cNvPr id="6" name="页脚占位符 5">
             <a:extLst>
               <a:ext uri="{FF2B5EF4-FFF2-40B4-BE49-F238E27FC236}">
-                <a16:creationId xmlns:a16="http://schemas.microsoft.com/office/drawing/2014/main" id="{384A55B7-E478-A15F-C54E-2A286F654F7B}"/>
+                <a16:creationId xmlns:a16="http://schemas.microsoft.com/office/drawing/2014/main" id="{319C7290-9857-C503-2A76-0BACB2659208}"/>
               </a:ext>
             </a:extLst>
           </p:cNvPr>
@@ -1434,7 +1434,7 @@
           <p:cNvPr id="7" name="灯片编号占位符 6">
             <a:extLst>
               <a:ext uri="{FF2B5EF4-FFF2-40B4-BE49-F238E27FC236}">
-                <a16:creationId xmlns:a16="http://schemas.microsoft.com/office/drawing/2014/main" id="{899DE931-6F29-AC4F-1F72-5C654564033A}"/>
+                <a16:creationId xmlns:a16="http://schemas.microsoft.com/office/drawing/2014/main" id="{91A1C509-995B-B516-FB94-F27DCC39488A}"/>
               </a:ext>
             </a:extLst>
           </p:cNvPr>
@@ -1450,7 +1450,7 @@
           <a:bodyPr/>
           <a:lstStyle/>
           <a:p>
-            <a:fld id="{308E8127-1A92-4C45-BD84-CE6C96BC8261}" type="slidenum">
+            <a:fld id="{3B6FFAE1-8A11-4E18-A405-08E6750EE096}" type="slidenum">
               <a:rPr lang="zh-CN" altLang="en-US" smtClean="0"/>
               <a:t>‹#›</a:t>
             </a:fld>
@@ -1461,7 +1461,7 @@
     </p:spTree>
     <p:extLst>
       <p:ext uri="{BB962C8B-B14F-4D97-AF65-F5344CB8AC3E}">
-        <p14:creationId xmlns:p14="http://schemas.microsoft.com/office/powerpoint/2010/main" val="573714699"/>
+        <p14:creationId xmlns:p14="http://schemas.microsoft.com/office/powerpoint/2010/main" val="2231470082"/>
       </p:ext>
     </p:extLst>
   </p:cSld>
@@ -1493,7 +1493,7 @@
           <p:cNvPr id="2" name="标题 1">
             <a:extLst>
               <a:ext uri="{FF2B5EF4-FFF2-40B4-BE49-F238E27FC236}">
-                <a16:creationId xmlns:a16="http://schemas.microsoft.com/office/drawing/2014/main" id="{729381E9-7D0C-82F6-43E8-025283CFCE55}"/>
+                <a16:creationId xmlns:a16="http://schemas.microsoft.com/office/drawing/2014/main" id="{8B07112B-1641-7098-295F-1BBCC02D5123}"/>
               </a:ext>
             </a:extLst>
           </p:cNvPr>
@@ -1526,7 +1526,7 @@
           <p:cNvPr id="3" name="文本占位符 2">
             <a:extLst>
               <a:ext uri="{FF2B5EF4-FFF2-40B4-BE49-F238E27FC236}">
-                <a16:creationId xmlns:a16="http://schemas.microsoft.com/office/drawing/2014/main" id="{7806EF1A-42B9-9004-6303-FABF51806C20}"/>
+                <a16:creationId xmlns:a16="http://schemas.microsoft.com/office/drawing/2014/main" id="{8295779F-89B8-6802-B906-3AB1A6E3EB14}"/>
               </a:ext>
             </a:extLst>
           </p:cNvPr>
@@ -1597,7 +1597,7 @@
           <p:cNvPr id="4" name="内容占位符 3">
             <a:extLst>
               <a:ext uri="{FF2B5EF4-FFF2-40B4-BE49-F238E27FC236}">
-                <a16:creationId xmlns:a16="http://schemas.microsoft.com/office/drawing/2014/main" id="{BEAD434D-0CDF-D4F3-7653-96DD0B80EB77}"/>
+                <a16:creationId xmlns:a16="http://schemas.microsoft.com/office/drawing/2014/main" id="{262803A1-B074-E7E9-C19A-495A68CCF339}"/>
               </a:ext>
             </a:extLst>
           </p:cNvPr>
@@ -1659,7 +1659,7 @@
           <p:cNvPr id="5" name="文本占位符 4">
             <a:extLst>
               <a:ext uri="{FF2B5EF4-FFF2-40B4-BE49-F238E27FC236}">
-                <a16:creationId xmlns:a16="http://schemas.microsoft.com/office/drawing/2014/main" id="{D51BF755-454D-4330-394C-A9C762745EB4}"/>
+                <a16:creationId xmlns:a16="http://schemas.microsoft.com/office/drawing/2014/main" id="{F4B64882-6EE3-44F9-430E-4DF999F485B7}"/>
               </a:ext>
             </a:extLst>
           </p:cNvPr>
@@ -1730,7 +1730,7 @@
           <p:cNvPr id="6" name="内容占位符 5">
             <a:extLst>
               <a:ext uri="{FF2B5EF4-FFF2-40B4-BE49-F238E27FC236}">
-                <a16:creationId xmlns:a16="http://schemas.microsoft.com/office/drawing/2014/main" id="{C0817662-AA52-23D5-ED7F-ED589DB469DB}"/>
+                <a16:creationId xmlns:a16="http://schemas.microsoft.com/office/drawing/2014/main" id="{65B98102-B29E-F0C1-2FC8-749B2E1C68C7}"/>
               </a:ext>
             </a:extLst>
           </p:cNvPr>
@@ -1792,7 +1792,7 @@
           <p:cNvPr id="7" name="日期占位符 6">
             <a:extLst>
               <a:ext uri="{FF2B5EF4-FFF2-40B4-BE49-F238E27FC236}">
-                <a16:creationId xmlns:a16="http://schemas.microsoft.com/office/drawing/2014/main" id="{7F296AED-815E-67D6-6F5B-56B51F51D61F}"/>
+                <a16:creationId xmlns:a16="http://schemas.microsoft.com/office/drawing/2014/main" id="{9F72E9E8-9C74-3260-8CDC-C9D83D63C7AA}"/>
               </a:ext>
             </a:extLst>
           </p:cNvPr>
@@ -1808,7 +1808,7 @@
           <a:bodyPr/>
           <a:lstStyle/>
           <a:p>
-            <a:fld id="{51AC0DA4-0049-4B8B-8C52-CB19BB156899}" type="datetimeFigureOut">
+            <a:fld id="{656ABA9F-9A5B-4730-8B83-E51C1D06FB65}" type="datetimeFigureOut">
               <a:rPr lang="zh-CN" altLang="en-US" smtClean="0"/>
               <a:t>2024/3/10</a:t>
             </a:fld>
@@ -1821,7 +1821,7 @@
           <p:cNvPr id="8" name="页脚占位符 7">
             <a:extLst>
               <a:ext uri="{FF2B5EF4-FFF2-40B4-BE49-F238E27FC236}">
-                <a16:creationId xmlns:a16="http://schemas.microsoft.com/office/drawing/2014/main" id="{152F2C1C-8B2C-4EAB-1185-43CC1A6EAB9F}"/>
+                <a16:creationId xmlns:a16="http://schemas.microsoft.com/office/drawing/2014/main" id="{2463A27C-DEA1-9C4A-111A-BFBA5B2ABE85}"/>
               </a:ext>
             </a:extLst>
           </p:cNvPr>
@@ -1846,7 +1846,7 @@
           <p:cNvPr id="9" name="灯片编号占位符 8">
             <a:extLst>
               <a:ext uri="{FF2B5EF4-FFF2-40B4-BE49-F238E27FC236}">
-                <a16:creationId xmlns:a16="http://schemas.microsoft.com/office/drawing/2014/main" id="{5394B8D8-94B7-1A44-8764-61ADC354027B}"/>
+                <a16:creationId xmlns:a16="http://schemas.microsoft.com/office/drawing/2014/main" id="{24CC0374-C7A7-A04F-2A00-9E1C6431725D}"/>
               </a:ext>
             </a:extLst>
           </p:cNvPr>
@@ -1862,7 +1862,7 @@
           <a:bodyPr/>
           <a:lstStyle/>
           <a:p>
-            <a:fld id="{308E8127-1A92-4C45-BD84-CE6C96BC8261}" type="slidenum">
+            <a:fld id="{3B6FFAE1-8A11-4E18-A405-08E6750EE096}" type="slidenum">
               <a:rPr lang="zh-CN" altLang="en-US" smtClean="0"/>
               <a:t>‹#›</a:t>
             </a:fld>
@@ -1873,7 +1873,7 @@
     </p:spTree>
     <p:extLst>
       <p:ext uri="{BB962C8B-B14F-4D97-AF65-F5344CB8AC3E}">
-        <p14:creationId xmlns:p14="http://schemas.microsoft.com/office/powerpoint/2010/main" val="608688547"/>
+        <p14:creationId xmlns:p14="http://schemas.microsoft.com/office/powerpoint/2010/main" val="3598176720"/>
       </p:ext>
     </p:extLst>
   </p:cSld>
@@ -1905,7 +1905,7 @@
           <p:cNvPr id="2" name="标题 1">
             <a:extLst>
               <a:ext uri="{FF2B5EF4-FFF2-40B4-BE49-F238E27FC236}">
-                <a16:creationId xmlns:a16="http://schemas.microsoft.com/office/drawing/2014/main" id="{5332B372-5561-827F-3527-671AEAAB14AA}"/>
+                <a16:creationId xmlns:a16="http://schemas.microsoft.com/office/drawing/2014/main" id="{61C8B4BC-0D17-50F5-D198-2EC54D653E3D}"/>
               </a:ext>
             </a:extLst>
           </p:cNvPr>
@@ -1933,7 +1933,7 @@
           <p:cNvPr id="3" name="日期占位符 2">
             <a:extLst>
               <a:ext uri="{FF2B5EF4-FFF2-40B4-BE49-F238E27FC236}">
-                <a16:creationId xmlns:a16="http://schemas.microsoft.com/office/drawing/2014/main" id="{9770D5D9-FEBA-3B2D-C658-B6FAE717DE06}"/>
+                <a16:creationId xmlns:a16="http://schemas.microsoft.com/office/drawing/2014/main" id="{99DCE7D3-EB36-91AE-E75B-CABE76AC5077}"/>
               </a:ext>
             </a:extLst>
           </p:cNvPr>
@@ -1949,7 +1949,7 @@
           <a:bodyPr/>
           <a:lstStyle/>
           <a:p>
-            <a:fld id="{51AC0DA4-0049-4B8B-8C52-CB19BB156899}" type="datetimeFigureOut">
+            <a:fld id="{656ABA9F-9A5B-4730-8B83-E51C1D06FB65}" type="datetimeFigureOut">
               <a:rPr lang="zh-CN" altLang="en-US" smtClean="0"/>
               <a:t>2024/3/10</a:t>
             </a:fld>
@@ -1962,7 +1962,7 @@
           <p:cNvPr id="4" name="页脚占位符 3">
             <a:extLst>
               <a:ext uri="{FF2B5EF4-FFF2-40B4-BE49-F238E27FC236}">
-                <a16:creationId xmlns:a16="http://schemas.microsoft.com/office/drawing/2014/main" id="{0E39E027-A170-68EA-CFE1-5EC99284452E}"/>
+                <a16:creationId xmlns:a16="http://schemas.microsoft.com/office/drawing/2014/main" id="{7BB48F25-5581-E27A-462D-D9584E14DFFE}"/>
               </a:ext>
             </a:extLst>
           </p:cNvPr>
@@ -1987,7 +1987,7 @@
           <p:cNvPr id="5" name="灯片编号占位符 4">
             <a:extLst>
               <a:ext uri="{FF2B5EF4-FFF2-40B4-BE49-F238E27FC236}">
-                <a16:creationId xmlns:a16="http://schemas.microsoft.com/office/drawing/2014/main" id="{DB70DA04-35F2-8D12-CD26-3792C486A062}"/>
+                <a16:creationId xmlns:a16="http://schemas.microsoft.com/office/drawing/2014/main" id="{56EE4A1A-4FFE-144C-6E95-2F61917C868E}"/>
               </a:ext>
             </a:extLst>
           </p:cNvPr>
@@ -2003,7 +2003,7 @@
           <a:bodyPr/>
           <a:lstStyle/>
           <a:p>
-            <a:fld id="{308E8127-1A92-4C45-BD84-CE6C96BC8261}" type="slidenum">
+            <a:fld id="{3B6FFAE1-8A11-4E18-A405-08E6750EE096}" type="slidenum">
               <a:rPr lang="zh-CN" altLang="en-US" smtClean="0"/>
               <a:t>‹#›</a:t>
             </a:fld>
@@ -2014,7 +2014,7 @@
     </p:spTree>
     <p:extLst>
       <p:ext uri="{BB962C8B-B14F-4D97-AF65-F5344CB8AC3E}">
-        <p14:creationId xmlns:p14="http://schemas.microsoft.com/office/powerpoint/2010/main" val="2476094932"/>
+        <p14:creationId xmlns:p14="http://schemas.microsoft.com/office/powerpoint/2010/main" val="3881087152"/>
       </p:ext>
     </p:extLst>
   </p:cSld>
@@ -2046,7 +2046,7 @@
           <p:cNvPr id="2" name="日期占位符 1">
             <a:extLst>
               <a:ext uri="{FF2B5EF4-FFF2-40B4-BE49-F238E27FC236}">
-                <a16:creationId xmlns:a16="http://schemas.microsoft.com/office/drawing/2014/main" id="{EFF21127-EA2D-D00E-DE67-0E9680BE13F6}"/>
+                <a16:creationId xmlns:a16="http://schemas.microsoft.com/office/drawing/2014/main" id="{3031B84C-50A7-F640-7B5D-09E242E464E9}"/>
               </a:ext>
             </a:extLst>
           </p:cNvPr>
@@ -2062,7 +2062,7 @@
           <a:bodyPr/>
           <a:lstStyle/>
           <a:p>
-            <a:fld id="{51AC0DA4-0049-4B8B-8C52-CB19BB156899}" type="datetimeFigureOut">
+            <a:fld id="{656ABA9F-9A5B-4730-8B83-E51C1D06FB65}" type="datetimeFigureOut">
               <a:rPr lang="zh-CN" altLang="en-US" smtClean="0"/>
               <a:t>2024/3/10</a:t>
             </a:fld>
@@ -2075,7 +2075,7 @@
           <p:cNvPr id="3" name="页脚占位符 2">
             <a:extLst>
               <a:ext uri="{FF2B5EF4-FFF2-40B4-BE49-F238E27FC236}">
-                <a16:creationId xmlns:a16="http://schemas.microsoft.com/office/drawing/2014/main" id="{748ACF85-1B66-4A1B-D1E2-4AD84D4EDA77}"/>
+                <a16:creationId xmlns:a16="http://schemas.microsoft.com/office/drawing/2014/main" id="{83586E61-5455-57F9-EEBE-5DAC2F93DF7F}"/>
               </a:ext>
             </a:extLst>
           </p:cNvPr>
@@ -2100,7 +2100,7 @@
           <p:cNvPr id="4" name="灯片编号占位符 3">
             <a:extLst>
               <a:ext uri="{FF2B5EF4-FFF2-40B4-BE49-F238E27FC236}">
-                <a16:creationId xmlns:a16="http://schemas.microsoft.com/office/drawing/2014/main" id="{B3006D0B-6E45-906D-9DFB-9F0F93717E1E}"/>
+                <a16:creationId xmlns:a16="http://schemas.microsoft.com/office/drawing/2014/main" id="{D8C58E42-11CE-909B-7D7A-94206391B821}"/>
               </a:ext>
             </a:extLst>
           </p:cNvPr>
@@ -2116,7 +2116,7 @@
           <a:bodyPr/>
           <a:lstStyle/>
           <a:p>
-            <a:fld id="{308E8127-1A92-4C45-BD84-CE6C96BC8261}" type="slidenum">
+            <a:fld id="{3B6FFAE1-8A11-4E18-A405-08E6750EE096}" type="slidenum">
               <a:rPr lang="zh-CN" altLang="en-US" smtClean="0"/>
               <a:t>‹#›</a:t>
             </a:fld>
@@ -2127,7 +2127,7 @@
     </p:spTree>
     <p:extLst>
       <p:ext uri="{BB962C8B-B14F-4D97-AF65-F5344CB8AC3E}">
-        <p14:creationId xmlns:p14="http://schemas.microsoft.com/office/powerpoint/2010/main" val="222937515"/>
+        <p14:creationId xmlns:p14="http://schemas.microsoft.com/office/powerpoint/2010/main" val="518668004"/>
       </p:ext>
     </p:extLst>
   </p:cSld>
@@ -2159,7 +2159,7 @@
           <p:cNvPr id="2" name="标题 1">
             <a:extLst>
               <a:ext uri="{FF2B5EF4-FFF2-40B4-BE49-F238E27FC236}">
-                <a16:creationId xmlns:a16="http://schemas.microsoft.com/office/drawing/2014/main" id="{28651BE6-C1C3-6592-F4F8-1D4586B1D5A0}"/>
+                <a16:creationId xmlns:a16="http://schemas.microsoft.com/office/drawing/2014/main" id="{34B8B0C3-199D-C22B-250E-C3CE9690D4D4}"/>
               </a:ext>
             </a:extLst>
           </p:cNvPr>
@@ -2196,7 +2196,7 @@
           <p:cNvPr id="3" name="内容占位符 2">
             <a:extLst>
               <a:ext uri="{FF2B5EF4-FFF2-40B4-BE49-F238E27FC236}">
-                <a16:creationId xmlns:a16="http://schemas.microsoft.com/office/drawing/2014/main" id="{B1582A76-BA1E-A670-178F-FC44D4352498}"/>
+                <a16:creationId xmlns:a16="http://schemas.microsoft.com/office/drawing/2014/main" id="{F2CC11EE-97A0-8B9C-270C-C4590B904C01}"/>
               </a:ext>
             </a:extLst>
           </p:cNvPr>
@@ -2286,7 +2286,7 @@
           <p:cNvPr id="4" name="文本占位符 3">
             <a:extLst>
               <a:ext uri="{FF2B5EF4-FFF2-40B4-BE49-F238E27FC236}">
-                <a16:creationId xmlns:a16="http://schemas.microsoft.com/office/drawing/2014/main" id="{A923E082-AE72-013E-7DC5-1DEECB82FD53}"/>
+                <a16:creationId xmlns:a16="http://schemas.microsoft.com/office/drawing/2014/main" id="{7F5894B3-0D09-0398-B25A-0FC3EF4F6DA5}"/>
               </a:ext>
             </a:extLst>
           </p:cNvPr>
@@ -2357,7 +2357,7 @@
           <p:cNvPr id="5" name="日期占位符 4">
             <a:extLst>
               <a:ext uri="{FF2B5EF4-FFF2-40B4-BE49-F238E27FC236}">
-                <a16:creationId xmlns:a16="http://schemas.microsoft.com/office/drawing/2014/main" id="{8DD446DF-EC32-5A70-89F4-7EDDE5176FC6}"/>
+                <a16:creationId xmlns:a16="http://schemas.microsoft.com/office/drawing/2014/main" id="{46DC72C6-3351-000F-52B4-E32DB7B3FBD6}"/>
               </a:ext>
             </a:extLst>
           </p:cNvPr>
@@ -2373,7 +2373,7 @@
           <a:bodyPr/>
           <a:lstStyle/>
           <a:p>
-            <a:fld id="{51AC0DA4-0049-4B8B-8C52-CB19BB156899}" type="datetimeFigureOut">
+            <a:fld id="{656ABA9F-9A5B-4730-8B83-E51C1D06FB65}" type="datetimeFigureOut">
               <a:rPr lang="zh-CN" altLang="en-US" smtClean="0"/>
               <a:t>2024/3/10</a:t>
             </a:fld>
@@ -2386,7 +2386,7 @@
           <p:cNvPr id="6" name="页脚占位符 5">
             <a:extLst>
               <a:ext uri="{FF2B5EF4-FFF2-40B4-BE49-F238E27FC236}">
-                <a16:creationId xmlns:a16="http://schemas.microsoft.com/office/drawing/2014/main" id="{689B805F-FA1E-565C-5FF3-98A1299F4D54}"/>
+                <a16:creationId xmlns:a16="http://schemas.microsoft.com/office/drawing/2014/main" id="{F8C92FC3-F04C-39AD-0A41-A67357431BB6}"/>
               </a:ext>
             </a:extLst>
           </p:cNvPr>
@@ -2411,7 +2411,7 @@
           <p:cNvPr id="7" name="灯片编号占位符 6">
             <a:extLst>
               <a:ext uri="{FF2B5EF4-FFF2-40B4-BE49-F238E27FC236}">
-                <a16:creationId xmlns:a16="http://schemas.microsoft.com/office/drawing/2014/main" id="{6D7B98B6-4EB2-C1C7-C7B0-3E5CA4D0BB2E}"/>
+                <a16:creationId xmlns:a16="http://schemas.microsoft.com/office/drawing/2014/main" id="{3C8D9C6E-540E-4C67-2823-B02D698F456C}"/>
               </a:ext>
             </a:extLst>
           </p:cNvPr>
@@ -2427,7 +2427,7 @@
           <a:bodyPr/>
           <a:lstStyle/>
           <a:p>
-            <a:fld id="{308E8127-1A92-4C45-BD84-CE6C96BC8261}" type="slidenum">
+            <a:fld id="{3B6FFAE1-8A11-4E18-A405-08E6750EE096}" type="slidenum">
               <a:rPr lang="zh-CN" altLang="en-US" smtClean="0"/>
               <a:t>‹#›</a:t>
             </a:fld>
@@ -2438,7 +2438,7 @@
     </p:spTree>
     <p:extLst>
       <p:ext uri="{BB962C8B-B14F-4D97-AF65-F5344CB8AC3E}">
-        <p14:creationId xmlns:p14="http://schemas.microsoft.com/office/powerpoint/2010/main" val="3108570757"/>
+        <p14:creationId xmlns:p14="http://schemas.microsoft.com/office/powerpoint/2010/main" val="2219591207"/>
       </p:ext>
     </p:extLst>
   </p:cSld>
@@ -2470,7 +2470,7 @@
           <p:cNvPr id="2" name="标题 1">
             <a:extLst>
               <a:ext uri="{FF2B5EF4-FFF2-40B4-BE49-F238E27FC236}">
-                <a16:creationId xmlns:a16="http://schemas.microsoft.com/office/drawing/2014/main" id="{882A4774-5145-DA83-F749-83A3D48A2D43}"/>
+                <a16:creationId xmlns:a16="http://schemas.microsoft.com/office/drawing/2014/main" id="{DEA8644F-B37E-6319-F9F1-DD0290F537F1}"/>
               </a:ext>
             </a:extLst>
           </p:cNvPr>
@@ -2507,7 +2507,7 @@
           <p:cNvPr id="3" name="图片占位符 2">
             <a:extLst>
               <a:ext uri="{FF2B5EF4-FFF2-40B4-BE49-F238E27FC236}">
-                <a16:creationId xmlns:a16="http://schemas.microsoft.com/office/drawing/2014/main" id="{53DE3D13-62FC-4F72-0CA3-B07B1092476A}"/>
+                <a16:creationId xmlns:a16="http://schemas.microsoft.com/office/drawing/2014/main" id="{2F5E1883-7DCB-663E-F9C7-EB60F333E6AF}"/>
               </a:ext>
             </a:extLst>
           </p:cNvPr>
@@ -2574,7 +2574,7 @@
           <p:cNvPr id="4" name="文本占位符 3">
             <a:extLst>
               <a:ext uri="{FF2B5EF4-FFF2-40B4-BE49-F238E27FC236}">
-                <a16:creationId xmlns:a16="http://schemas.microsoft.com/office/drawing/2014/main" id="{1F1A3DD1-58C0-8997-73C8-1B6B19100919}"/>
+                <a16:creationId xmlns:a16="http://schemas.microsoft.com/office/drawing/2014/main" id="{C113BA26-D84F-932C-35B1-C3306F497010}"/>
               </a:ext>
             </a:extLst>
           </p:cNvPr>
@@ -2645,7 +2645,7 @@
           <p:cNvPr id="5" name="日期占位符 4">
             <a:extLst>
               <a:ext uri="{FF2B5EF4-FFF2-40B4-BE49-F238E27FC236}">
-                <a16:creationId xmlns:a16="http://schemas.microsoft.com/office/drawing/2014/main" id="{2C30C19C-ACA8-0F82-1038-5E3D0D3EA203}"/>
+                <a16:creationId xmlns:a16="http://schemas.microsoft.com/office/drawing/2014/main" id="{8B4E195B-F42A-3232-4C88-D77C1CFFADF9}"/>
               </a:ext>
             </a:extLst>
           </p:cNvPr>
@@ -2661,7 +2661,7 @@
           <a:bodyPr/>
           <a:lstStyle/>
           <a:p>
-            <a:fld id="{51AC0DA4-0049-4B8B-8C52-CB19BB156899}" type="datetimeFigureOut">
+            <a:fld id="{656ABA9F-9A5B-4730-8B83-E51C1D06FB65}" type="datetimeFigureOut">
               <a:rPr lang="zh-CN" altLang="en-US" smtClean="0"/>
               <a:t>2024/3/10</a:t>
             </a:fld>
@@ -2674,7 +2674,7 @@
           <p:cNvPr id="6" name="页脚占位符 5">
             <a:extLst>
               <a:ext uri="{FF2B5EF4-FFF2-40B4-BE49-F238E27FC236}">
-                <a16:creationId xmlns:a16="http://schemas.microsoft.com/office/drawing/2014/main" id="{FEF13F0E-31AB-2871-193F-E1DD32E6E6BE}"/>
+                <a16:creationId xmlns:a16="http://schemas.microsoft.com/office/drawing/2014/main" id="{B1EF377D-3F16-CD12-AFB9-968E3C8547E6}"/>
               </a:ext>
             </a:extLst>
           </p:cNvPr>
@@ -2699,7 +2699,7 @@
           <p:cNvPr id="7" name="灯片编号占位符 6">
             <a:extLst>
               <a:ext uri="{FF2B5EF4-FFF2-40B4-BE49-F238E27FC236}">
-                <a16:creationId xmlns:a16="http://schemas.microsoft.com/office/drawing/2014/main" id="{EC7949DF-9326-5C6B-92F6-364F0502250B}"/>
+                <a16:creationId xmlns:a16="http://schemas.microsoft.com/office/drawing/2014/main" id="{258E2125-E9EC-6A60-B1C2-5AD758AC045A}"/>
               </a:ext>
             </a:extLst>
           </p:cNvPr>
@@ -2715,7 +2715,7 @@
           <a:bodyPr/>
           <a:lstStyle/>
           <a:p>
-            <a:fld id="{308E8127-1A92-4C45-BD84-CE6C96BC8261}" type="slidenum">
+            <a:fld id="{3B6FFAE1-8A11-4E18-A405-08E6750EE096}" type="slidenum">
               <a:rPr lang="zh-CN" altLang="en-US" smtClean="0"/>
               <a:t>‹#›</a:t>
             </a:fld>
@@ -2726,7 +2726,7 @@
     </p:spTree>
     <p:extLst>
       <p:ext uri="{BB962C8B-B14F-4D97-AF65-F5344CB8AC3E}">
-        <p14:creationId xmlns:p14="http://schemas.microsoft.com/office/powerpoint/2010/main" val="968605771"/>
+        <p14:creationId xmlns:p14="http://schemas.microsoft.com/office/powerpoint/2010/main" val="2548263517"/>
       </p:ext>
     </p:extLst>
   </p:cSld>
@@ -2763,7 +2763,7 @@
           <p:cNvPr id="2" name="标题占位符 1">
             <a:extLst>
               <a:ext uri="{FF2B5EF4-FFF2-40B4-BE49-F238E27FC236}">
-                <a16:creationId xmlns:a16="http://schemas.microsoft.com/office/drawing/2014/main" id="{DEB15DDA-D8AF-81F5-2BEC-29C47EB5F3B3}"/>
+                <a16:creationId xmlns:a16="http://schemas.microsoft.com/office/drawing/2014/main" id="{D7CA489A-EE31-77D1-3BC7-186899642309}"/>
               </a:ext>
             </a:extLst>
           </p:cNvPr>
@@ -2801,7 +2801,7 @@
           <p:cNvPr id="3" name="文本占位符 2">
             <a:extLst>
               <a:ext uri="{FF2B5EF4-FFF2-40B4-BE49-F238E27FC236}">
-                <a16:creationId xmlns:a16="http://schemas.microsoft.com/office/drawing/2014/main" id="{82F1699A-0495-0B0E-F654-7BBE302B8A8F}"/>
+                <a16:creationId xmlns:a16="http://schemas.microsoft.com/office/drawing/2014/main" id="{429A0B4E-605D-E5B7-D14C-3C475F8492CD}"/>
               </a:ext>
             </a:extLst>
           </p:cNvPr>
@@ -2868,7 +2868,7 @@
           <p:cNvPr id="4" name="日期占位符 3">
             <a:extLst>
               <a:ext uri="{FF2B5EF4-FFF2-40B4-BE49-F238E27FC236}">
-                <a16:creationId xmlns:a16="http://schemas.microsoft.com/office/drawing/2014/main" id="{CC607795-855C-9E58-A622-777FA5DE5BBF}"/>
+                <a16:creationId xmlns:a16="http://schemas.microsoft.com/office/drawing/2014/main" id="{D809279D-DBCC-DB35-F241-20DD7E8CDBDC}"/>
               </a:ext>
             </a:extLst>
           </p:cNvPr>
@@ -2902,7 +2902,7 @@
             </a:lvl1pPr>
           </a:lstStyle>
           <a:p>
-            <a:fld id="{51AC0DA4-0049-4B8B-8C52-CB19BB156899}" type="datetimeFigureOut">
+            <a:fld id="{656ABA9F-9A5B-4730-8B83-E51C1D06FB65}" type="datetimeFigureOut">
               <a:rPr lang="zh-CN" altLang="en-US" smtClean="0"/>
               <a:t>2024/3/10</a:t>
             </a:fld>
@@ -2915,7 +2915,7 @@
           <p:cNvPr id="5" name="页脚占位符 4">
             <a:extLst>
               <a:ext uri="{FF2B5EF4-FFF2-40B4-BE49-F238E27FC236}">
-                <a16:creationId xmlns:a16="http://schemas.microsoft.com/office/drawing/2014/main" id="{7D5B6D9C-668A-4D83-E0E7-F2CCCAB57C0D}"/>
+                <a16:creationId xmlns:a16="http://schemas.microsoft.com/office/drawing/2014/main" id="{50C55FDA-3D46-0AE8-ED2C-864130E0F87F}"/>
               </a:ext>
             </a:extLst>
           </p:cNvPr>
@@ -2958,7 +2958,7 @@
           <p:cNvPr id="6" name="灯片编号占位符 5">
             <a:extLst>
               <a:ext uri="{FF2B5EF4-FFF2-40B4-BE49-F238E27FC236}">
-                <a16:creationId xmlns:a16="http://schemas.microsoft.com/office/drawing/2014/main" id="{77FF039E-309C-0470-8020-1EBF88D8E1FC}"/>
+                <a16:creationId xmlns:a16="http://schemas.microsoft.com/office/drawing/2014/main" id="{8A446CA2-35AD-00B4-3351-55133CB8F62F}"/>
               </a:ext>
             </a:extLst>
           </p:cNvPr>
@@ -2992,7 +2992,7 @@
             </a:lvl1pPr>
           </a:lstStyle>
           <a:p>
-            <a:fld id="{308E8127-1A92-4C45-BD84-CE6C96BC8261}" type="slidenum">
+            <a:fld id="{3B6FFAE1-8A11-4E18-A405-08E6750EE096}" type="slidenum">
               <a:rPr lang="zh-CN" altLang="en-US" smtClean="0"/>
               <a:t>‹#›</a:t>
             </a:fld>
@@ -3003,7 +3003,7 @@
     </p:spTree>
     <p:extLst>
       <p:ext uri="{BB962C8B-B14F-4D97-AF65-F5344CB8AC3E}">
-        <p14:creationId xmlns:p14="http://schemas.microsoft.com/office/powerpoint/2010/main" val="2505993139"/>
+        <p14:creationId xmlns:p14="http://schemas.microsoft.com/office/powerpoint/2010/main" val="2446295452"/>
       </p:ext>
     </p:extLst>
   </p:cSld>
@@ -3323,7 +3323,7 @@
       </p:grpSpPr>
       <p:pic>
         <p:nvPicPr>
-          <p:cNvPr id="1249282" name="Picture 2" descr="1219"/>
+          <p:cNvPr id="1250306" name="Picture 2" descr="1220"/>
           <p:cNvPicPr>
             <a:picLocks noChangeAspect="1" noChangeArrowheads="1"/>
           </p:cNvPicPr>
@@ -3344,8 +3344,8 @@
         </p:blipFill>
         <p:spPr bwMode="auto">
           <a:xfrm>
-            <a:off x="1524000" y="14288"/>
-            <a:ext cx="9124950" cy="6843712"/>
+            <a:off x="1524000" y="0"/>
+            <a:ext cx="9144000" cy="6789738"/>
           </a:xfrm>
           <a:prstGeom prst="rect">
             <a:avLst/>
@@ -3375,158 +3375,11 @@
           </a:extLst>
         </p:spPr>
       </p:pic>
-      <p:pic>
-        <p:nvPicPr>
-          <p:cNvPr id="1250307" name="Picture 3" descr="1219-2"/>
-          <p:cNvPicPr>
-            <a:picLocks noChangeAspect="1" noChangeArrowheads="1"/>
-          </p:cNvPicPr>
-          <p:nvPr/>
-        </p:nvPicPr>
-        <p:blipFill>
-          <a:blip r:embed="rId3">
-            <a:extLst>
-              <a:ext uri="{28A0092B-C50C-407E-A947-70E740481C1C}">
-                <a14:useLocalDpi xmlns:a14="http://schemas.microsoft.com/office/drawing/2010/main" val="0"/>
-              </a:ext>
-            </a:extLst>
-          </a:blip>
-          <a:srcRect/>
-          <a:stretch>
-            <a:fillRect/>
-          </a:stretch>
-        </p:blipFill>
-        <p:spPr bwMode="auto">
-          <a:xfrm>
-            <a:off x="1524000" y="0"/>
-            <a:ext cx="9144000" cy="6859588"/>
-          </a:xfrm>
-          <a:prstGeom prst="rect">
-            <a:avLst/>
-          </a:prstGeom>
-          <a:noFill/>
-          <a:ln>
-            <a:noFill/>
-          </a:ln>
-          <a:effectLst/>
-          <a:extLst>
-            <a:ext uri="{909E8E84-426E-40DD-AFC4-6F175D3DCCD1}">
-              <a14:hiddenFill xmlns:a14="http://schemas.microsoft.com/office/drawing/2010/main">
-                <a:solidFill>
-                  <a:srgbClr val="FFFFFF"/>
-                </a:solidFill>
-              </a14:hiddenFill>
-            </a:ext>
-            <a:ext uri="{91240B29-F687-4F45-9708-019B960494DF}">
-              <a14:hiddenLine xmlns:a14="http://schemas.microsoft.com/office/drawing/2010/main" w="9525">
-                <a:solidFill>
-                  <a:srgbClr val="000000"/>
-                </a:solidFill>
-                <a:miter lim="800000"/>
-                <a:headEnd/>
-                <a:tailEnd/>
-              </a14:hiddenLine>
-            </a:ext>
-            <a:ext uri="{AF507438-7753-43E0-B8FC-AC1667EBCBE1}">
-              <a14:hiddenEffects xmlns:a14="http://schemas.microsoft.com/office/drawing/2010/main">
-                <a:effectLst>
-                  <a:outerShdw dist="35921" dir="2700000" algn="ctr" rotWithShape="0">
-                    <a:srgbClr val="808080"/>
-                  </a:outerShdw>
-                </a:effectLst>
-              </a14:hiddenEffects>
-            </a:ext>
-          </a:extLst>
-        </p:spPr>
-      </p:pic>
     </p:spTree>
   </p:cSld>
   <p:clrMapOvr>
     <a:masterClrMapping/>
   </p:clrMapOvr>
-  <p:timing>
-    <p:tnLst>
-      <p:par>
-        <p:cTn id="1" dur="indefinite" restart="never" nodeType="tmRoot">
-          <p:childTnLst>
-            <p:seq concurrent="1" nextAc="seek">
-              <p:cTn id="2" dur="indefinite" nodeType="mainSeq">
-                <p:childTnLst>
-                  <p:par>
-                    <p:cTn id="3" fill="hold" nodeType="clickPar">
-                      <p:stCondLst>
-                        <p:cond delay="indefinite"/>
-                      </p:stCondLst>
-                      <p:childTnLst>
-                        <p:par>
-                          <p:cTn id="4" fill="hold" nodeType="withGroup">
-                            <p:stCondLst>
-                              <p:cond delay="0"/>
-                            </p:stCondLst>
-                            <p:childTnLst>
-                              <p:par>
-                                <p:cTn id="5" presetID="10" presetClass="entr" presetSubtype="0" fill="hold" nodeType="clickEffect">
-                                  <p:stCondLst>
-                                    <p:cond delay="0"/>
-                                  </p:stCondLst>
-                                  <p:childTnLst>
-                                    <p:set>
-                                      <p:cBhvr>
-                                        <p:cTn id="6" dur="1" fill="hold">
-                                          <p:stCondLst>
-                                            <p:cond delay="0"/>
-                                          </p:stCondLst>
-                                        </p:cTn>
-                                        <p:tgtEl>
-                                          <p:spTgt spid="1250307"/>
-                                        </p:tgtEl>
-                                        <p:attrNameLst>
-                                          <p:attrName>style.visibility</p:attrName>
-                                        </p:attrNameLst>
-                                      </p:cBhvr>
-                                      <p:to>
-                                        <p:strVal val="visible"/>
-                                      </p:to>
-                                    </p:set>
-                                    <p:animEffect transition="in" filter="fade">
-                                      <p:cBhvr>
-                                        <p:cTn id="7" dur="500"/>
-                                        <p:tgtEl>
-                                          <p:spTgt spid="1250307"/>
-                                        </p:tgtEl>
-                                      </p:cBhvr>
-                                    </p:animEffect>
-                                  </p:childTnLst>
-                                </p:cTn>
-                              </p:par>
-                            </p:childTnLst>
-                          </p:cTn>
-                        </p:par>
-                      </p:childTnLst>
-                    </p:cTn>
-                  </p:par>
-                </p:childTnLst>
-              </p:cTn>
-              <p:prevCondLst>
-                <p:cond evt="onPrev" delay="0">
-                  <p:tgtEl>
-                    <p:sldTgt/>
-                  </p:tgtEl>
-                </p:cond>
-              </p:prevCondLst>
-              <p:nextCondLst>
-                <p:cond evt="onNext" delay="0">
-                  <p:tgtEl>
-                    <p:sldTgt/>
-                  </p:tgtEl>
-                </p:cond>
-              </p:nextCondLst>
-            </p:seq>
-          </p:childTnLst>
-        </p:cTn>
-      </p:par>
-    </p:tnLst>
-  </p:timing>
 </p:sld>
 </file>
 
